--- a/medium/fraig.pptx
+++ b/medium/fraig.pptx
@@ -6,6 +6,7 @@
   </p:sldMasterIdLst>
   <p:sldIdLst>
     <p:sldId id="256" r:id="rId2"/>
+    <p:sldId id="257" r:id="rId3"/>
   </p:sldIdLst>
   <p:sldSz cx="12192000" cy="6858000"/>
   <p:notesSz cx="6858000" cy="9144000"/>
@@ -104,6 +105,11 @@
       </a:defRPr>
     </a:lvl9pPr>
   </p:defaultTextStyle>
+  <p:extLst>
+    <p:ext uri="{EFAFB233-063F-42B5-8137-9DF3F51BA10A}">
+      <p15:sldGuideLst xmlns:p15="http://schemas.microsoft.com/office/powerpoint/2012/main"/>
+    </p:ext>
+  </p:extLst>
 </p:presentation>
 </file>
 
@@ -3007,7 +3013,7 @@
           <p:nvPr/>
         </p:nvPicPr>
         <p:blipFill rotWithShape="1">
-          <a:blip r:embed="rId3">
+          <a:blip r:embed="rId2">
             <a:extLst>
               <a:ext uri="{28A0092B-C50C-407E-A947-70E740481C1C}">
                 <a14:useLocalDpi xmlns:a14="http://schemas.microsoft.com/office/drawing/2010/main" val="0"/>
@@ -3036,7 +3042,7 @@
           <p:nvPr/>
         </p:nvPicPr>
         <p:blipFill rotWithShape="1">
-          <a:blip r:embed="rId4">
+          <a:blip r:embed="rId2">
             <a:extLst>
               <a:ext uri="{28A0092B-C50C-407E-A947-70E740481C1C}">
                 <a14:useLocalDpi xmlns:a14="http://schemas.microsoft.com/office/drawing/2010/main" val="0"/>
@@ -3056,10 +3062,216 @@
           </a:prstGeom>
         </p:spPr>
       </p:pic>
+      <p:cxnSp>
+        <p:nvCxnSpPr>
+          <p:cNvPr id="3" name="Straight Arrow Connector 2"/>
+          <p:cNvCxnSpPr/>
+          <p:nvPr/>
+        </p:nvCxnSpPr>
+        <p:spPr>
+          <a:xfrm>
+            <a:off x="5568033" y="3135756"/>
+            <a:ext cx="0" cy="2165131"/>
+          </a:xfrm>
+          <a:prstGeom prst="straightConnector1">
+            <a:avLst/>
+          </a:prstGeom>
+          <a:ln w="323850">
+            <a:solidFill>
+              <a:schemeClr val="bg1">
+                <a:lumMod val="50000"/>
+                <a:lumOff val="50000"/>
+                <a:alpha val="38000"/>
+              </a:schemeClr>
+            </a:solidFill>
+            <a:tailEnd type="triangle"/>
+          </a:ln>
+        </p:spPr>
+        <p:style>
+          <a:lnRef idx="1">
+            <a:schemeClr val="accent1"/>
+          </a:lnRef>
+          <a:fillRef idx="0">
+            <a:schemeClr val="accent1"/>
+          </a:fillRef>
+          <a:effectRef idx="0">
+            <a:schemeClr val="accent1"/>
+          </a:effectRef>
+          <a:fontRef idx="minor">
+            <a:schemeClr val="tx1"/>
+          </a:fontRef>
+        </p:style>
+      </p:cxnSp>
+      <p:sp>
+        <p:nvSpPr>
+          <p:cNvPr id="14" name="TextBox 13"/>
+          <p:cNvSpPr txBox="1"/>
+          <p:nvPr/>
+        </p:nvSpPr>
+        <p:spPr>
+          <a:xfrm>
+            <a:off x="5159107" y="4295864"/>
+            <a:ext cx="817853" cy="400110"/>
+          </a:xfrm>
+          <a:prstGeom prst="rect">
+            <a:avLst/>
+          </a:prstGeom>
+          <a:noFill/>
+        </p:spPr>
+        <p:txBody>
+          <a:bodyPr wrap="none" rtlCol="0">
+            <a:spAutoFit/>
+          </a:bodyPr>
+          <a:lstStyle/>
+          <a:p>
+            <a:r>
+              <a:rPr lang="en-US" sz="2000" dirty="0" smtClean="0"/>
+              <a:t>FRAIG</a:t>
+            </a:r>
+            <a:endParaRPr lang="en-US" sz="2000" dirty="0"/>
+          </a:p>
+        </p:txBody>
+      </p:sp>
     </p:spTree>
     <p:extLst>
       <p:ext uri="{BB962C8B-B14F-4D97-AF65-F5344CB8AC3E}">
         <p14:creationId xmlns:p14="http://schemas.microsoft.com/office/powerpoint/2010/main" val="1538087226"/>
+      </p:ext>
+    </p:extLst>
+  </p:cSld>
+  <p:clrMapOvr>
+    <a:masterClrMapping/>
+  </p:clrMapOvr>
+  <p:timing>
+    <p:tnLst>
+      <p:par>
+        <p:cTn id="1" dur="indefinite" restart="never" nodeType="tmRoot"/>
+      </p:par>
+    </p:tnLst>
+  </p:timing>
+</p:sld>
+</file>
+
+<file path=ppt/slides/slide2.xml><?xml version="1.0" encoding="utf-8"?>
+<p:sld xmlns:a="http://schemas.openxmlformats.org/drawingml/2006/main" xmlns:r="http://schemas.openxmlformats.org/officeDocument/2006/relationships" xmlns:p="http://schemas.openxmlformats.org/presentationml/2006/main">
+  <p:cSld>
+    <p:spTree>
+      <p:nvGrpSpPr>
+        <p:cNvPr id="1" name=""/>
+        <p:cNvGrpSpPr/>
+        <p:nvPr/>
+      </p:nvGrpSpPr>
+      <p:grpSpPr>
+        <a:xfrm>
+          <a:off x="0" y="0"/>
+          <a:ext cx="0" cy="0"/>
+          <a:chOff x="0" y="0"/>
+          <a:chExt cx="0" cy="0"/>
+        </a:xfrm>
+      </p:grpSpPr>
+      <p:pic>
+        <p:nvPicPr>
+          <p:cNvPr id="4" name="Content Placeholder 3"/>
+          <p:cNvPicPr>
+            <a:picLocks noGrp="1" noChangeAspect="1"/>
+          </p:cNvPicPr>
+          <p:nvPr>
+            <p:ph idx="1"/>
+          </p:nvPr>
+        </p:nvPicPr>
+        <p:blipFill>
+          <a:blip r:embed="rId2">
+            <a:extLst>
+              <a:ext uri="{28A0092B-C50C-407E-A947-70E740481C1C}">
+                <a14:useLocalDpi xmlns:a14="http://schemas.microsoft.com/office/drawing/2010/main" val="0"/>
+              </a:ext>
+            </a:extLst>
+          </a:blip>
+          <a:stretch>
+            <a:fillRect/>
+          </a:stretch>
+        </p:blipFill>
+        <p:spPr>
+          <a:xfrm>
+            <a:off x="262758" y="-94593"/>
+            <a:ext cx="11613931" cy="7258708"/>
+          </a:xfrm>
+        </p:spPr>
+      </p:pic>
+      <p:cxnSp>
+        <p:nvCxnSpPr>
+          <p:cNvPr id="5" name="Straight Arrow Connector 4"/>
+          <p:cNvCxnSpPr/>
+          <p:nvPr/>
+        </p:nvCxnSpPr>
+        <p:spPr>
+          <a:xfrm flipV="1">
+            <a:off x="4727204" y="3237185"/>
+            <a:ext cx="2388299" cy="14184"/>
+          </a:xfrm>
+          <a:prstGeom prst="straightConnector1">
+            <a:avLst/>
+          </a:prstGeom>
+          <a:ln w="323850">
+            <a:solidFill>
+              <a:schemeClr val="accent4">
+                <a:lumMod val="40000"/>
+                <a:lumOff val="60000"/>
+                <a:alpha val="84000"/>
+              </a:schemeClr>
+            </a:solidFill>
+            <a:tailEnd type="triangle"/>
+          </a:ln>
+        </p:spPr>
+        <p:style>
+          <a:lnRef idx="1">
+            <a:schemeClr val="accent1"/>
+          </a:lnRef>
+          <a:fillRef idx="0">
+            <a:schemeClr val="accent1"/>
+          </a:fillRef>
+          <a:effectRef idx="0">
+            <a:schemeClr val="accent1"/>
+          </a:effectRef>
+          <a:fontRef idx="minor">
+            <a:schemeClr val="tx1"/>
+          </a:fontRef>
+        </p:style>
+      </p:cxnSp>
+      <p:sp>
+        <p:nvSpPr>
+          <p:cNvPr id="7" name="TextBox 6"/>
+          <p:cNvSpPr txBox="1"/>
+          <p:nvPr/>
+        </p:nvSpPr>
+        <p:spPr>
+          <a:xfrm>
+            <a:off x="5379278" y="3059611"/>
+            <a:ext cx="690445" cy="369332"/>
+          </a:xfrm>
+          <a:prstGeom prst="rect">
+            <a:avLst/>
+          </a:prstGeom>
+          <a:noFill/>
+        </p:spPr>
+        <p:txBody>
+          <a:bodyPr wrap="none" rtlCol="0">
+            <a:spAutoFit/>
+          </a:bodyPr>
+          <a:lstStyle/>
+          <a:p>
+            <a:r>
+              <a:rPr lang="en-US" dirty="0" smtClean="0"/>
+              <a:t>Parse</a:t>
+            </a:r>
+            <a:endParaRPr lang="en-US" dirty="0"/>
+          </a:p>
+        </p:txBody>
+      </p:sp>
+    </p:spTree>
+    <p:extLst>
+      <p:ext uri="{BB962C8B-B14F-4D97-AF65-F5344CB8AC3E}">
+        <p14:creationId xmlns:p14="http://schemas.microsoft.com/office/powerpoint/2010/main" val="701029633"/>
       </p:ext>
     </p:extLst>
   </p:cSld>
